--- a/[presentation/[10]DragAndDrop.pptx
+++ b/[presentation/[10]DragAndDrop.pptx
@@ -215,7 +215,7 @@
           <a:p>
             <a:fld id="{B7D51D38-D548-469D-8CA9-2C88D59EEED7}" type="datetimeFigureOut">
               <a:rPr lang="zh-CN" altLang="en-US" smtClean="0"/>
-              <a:t>2014/12/1</a:t>
+              <a:t>2014/12/11</a:t>
             </a:fld>
             <a:endParaRPr lang="zh-CN" altLang="en-US"/>
           </a:p>
@@ -856,7 +856,7 @@
           <a:p>
             <a:fld id="{530820CF-B880-4189-942D-D702A7CBA730}" type="datetimeFigureOut">
               <a:rPr lang="zh-CN" altLang="en-US" smtClean="0"/>
-              <a:t>2014/12/1</a:t>
+              <a:t>2014/12/11</a:t>
             </a:fld>
             <a:endParaRPr lang="zh-CN" altLang="en-US"/>
           </a:p>
@@ -1021,7 +1021,7 @@
           <a:p>
             <a:fld id="{530820CF-B880-4189-942D-D702A7CBA730}" type="datetimeFigureOut">
               <a:rPr lang="zh-CN" altLang="en-US" smtClean="0"/>
-              <a:t>2014/12/1</a:t>
+              <a:t>2014/12/11</a:t>
             </a:fld>
             <a:endParaRPr lang="zh-CN" altLang="en-US"/>
           </a:p>
@@ -1196,7 +1196,7 @@
           <a:p>
             <a:fld id="{530820CF-B880-4189-942D-D702A7CBA730}" type="datetimeFigureOut">
               <a:rPr lang="zh-CN" altLang="en-US" smtClean="0"/>
-              <a:t>2014/12/1</a:t>
+              <a:t>2014/12/11</a:t>
             </a:fld>
             <a:endParaRPr lang="zh-CN" altLang="en-US"/>
           </a:p>
@@ -1361,7 +1361,7 @@
           <a:p>
             <a:fld id="{530820CF-B880-4189-942D-D702A7CBA730}" type="datetimeFigureOut">
               <a:rPr lang="zh-CN" altLang="en-US" smtClean="0"/>
-              <a:t>2014/12/1</a:t>
+              <a:t>2014/12/11</a:t>
             </a:fld>
             <a:endParaRPr lang="zh-CN" altLang="en-US"/>
           </a:p>
@@ -1602,7 +1602,7 @@
           <a:p>
             <a:fld id="{530820CF-B880-4189-942D-D702A7CBA730}" type="datetimeFigureOut">
               <a:rPr lang="zh-CN" altLang="en-US" smtClean="0"/>
-              <a:t>2014/12/1</a:t>
+              <a:t>2014/12/11</a:t>
             </a:fld>
             <a:endParaRPr lang="zh-CN" altLang="en-US"/>
           </a:p>
@@ -1885,7 +1885,7 @@
           <a:p>
             <a:fld id="{530820CF-B880-4189-942D-D702A7CBA730}" type="datetimeFigureOut">
               <a:rPr lang="zh-CN" altLang="en-US" smtClean="0"/>
-              <a:t>2014/12/1</a:t>
+              <a:t>2014/12/11</a:t>
             </a:fld>
             <a:endParaRPr lang="zh-CN" altLang="en-US"/>
           </a:p>
@@ -2302,7 +2302,7 @@
           <a:p>
             <a:fld id="{530820CF-B880-4189-942D-D702A7CBA730}" type="datetimeFigureOut">
               <a:rPr lang="zh-CN" altLang="en-US" smtClean="0"/>
-              <a:t>2014/12/1</a:t>
+              <a:t>2014/12/11</a:t>
             </a:fld>
             <a:endParaRPr lang="zh-CN" altLang="en-US"/>
           </a:p>
@@ -2415,7 +2415,7 @@
           <a:p>
             <a:fld id="{530820CF-B880-4189-942D-D702A7CBA730}" type="datetimeFigureOut">
               <a:rPr lang="zh-CN" altLang="en-US" smtClean="0"/>
-              <a:t>2014/12/1</a:t>
+              <a:t>2014/12/11</a:t>
             </a:fld>
             <a:endParaRPr lang="zh-CN" altLang="en-US"/>
           </a:p>
@@ -2505,7 +2505,7 @@
           <a:p>
             <a:fld id="{530820CF-B880-4189-942D-D702A7CBA730}" type="datetimeFigureOut">
               <a:rPr lang="zh-CN" altLang="en-US" smtClean="0"/>
-              <a:t>2014/12/1</a:t>
+              <a:t>2014/12/11</a:t>
             </a:fld>
             <a:endParaRPr lang="zh-CN" altLang="en-US"/>
           </a:p>
@@ -2777,7 +2777,7 @@
           <a:p>
             <a:fld id="{530820CF-B880-4189-942D-D702A7CBA730}" type="datetimeFigureOut">
               <a:rPr lang="zh-CN" altLang="en-US" smtClean="0"/>
-              <a:t>2014/12/1</a:t>
+              <a:t>2014/12/11</a:t>
             </a:fld>
             <a:endParaRPr lang="zh-CN" altLang="en-US"/>
           </a:p>
@@ -3025,7 +3025,7 @@
           <a:p>
             <a:fld id="{530820CF-B880-4189-942D-D702A7CBA730}" type="datetimeFigureOut">
               <a:rPr lang="zh-CN" altLang="en-US" smtClean="0"/>
-              <a:t>2014/12/1</a:t>
+              <a:t>2014/12/11</a:t>
             </a:fld>
             <a:endParaRPr lang="zh-CN" altLang="en-US"/>
           </a:p>
@@ -3233,7 +3233,7 @@
           <a:p>
             <a:fld id="{530820CF-B880-4189-942D-D702A7CBA730}" type="datetimeFigureOut">
               <a:rPr lang="zh-CN" altLang="en-US" smtClean="0"/>
-              <a:t>2014/12/1</a:t>
+              <a:t>2014/12/11</a:t>
             </a:fld>
             <a:endParaRPr lang="zh-CN" altLang="en-US"/>
           </a:p>
@@ -4762,7 +4762,11 @@
           <a:lstStyle/>
           <a:p>
             <a:r>
-              <a:rPr lang="en-US" altLang="zh-CN" dirty="0" err="1" smtClean="0"/>
+              <a:rPr lang="en-US" altLang="zh-CN" dirty="0" err="1" smtClean="0">
+                <a:solidFill>
+                  <a:schemeClr val="accent1"/>
+                </a:solidFill>
+              </a:rPr>
               <a:t>setData</a:t>
             </a:r>
             <a:r>
@@ -4780,7 +4784,11 @@
           </a:p>
           <a:p>
             <a:r>
-              <a:rPr lang="en-US" altLang="zh-CN" dirty="0" err="1" smtClean="0"/>
+              <a:rPr lang="en-US" altLang="zh-CN" dirty="0" err="1" smtClean="0">
+                <a:solidFill>
+                  <a:srgbClr val="FF0000"/>
+                </a:solidFill>
+              </a:rPr>
               <a:t>getData</a:t>
             </a:r>
             <a:r>
@@ -4790,7 +4798,11 @@
           </a:p>
           <a:p>
             <a:r>
-              <a:rPr lang="en-US" altLang="zh-CN" dirty="0" smtClean="0"/>
+              <a:rPr lang="en-US" altLang="zh-CN" dirty="0" smtClean="0">
+                <a:solidFill>
+                  <a:srgbClr val="FF0000"/>
+                </a:solidFill>
+              </a:rPr>
               <a:t>files</a:t>
             </a:r>
           </a:p>
